--- a/reml-diagram.pptx
+++ b/reml-diagram.pptx
@@ -2,18 +2,18 @@
 <file path=ppt/presentation.xml><?xml version="1.0" encoding="utf-8"?>
 <p:presentation xmlns:a="http://schemas.openxmlformats.org/drawingml/2006/main" xmlns:r="http://schemas.openxmlformats.org/officeDocument/2006/relationships" xmlns:p="http://schemas.openxmlformats.org/presentationml/2006/main" saveSubsetFonts="1">
   <p:sldMasterIdLst>
-    <p:sldMasterId id="2147483648" r:id="rId1"/>
+    <p:sldMasterId id="2147483660" r:id="rId1"/>
   </p:sldMasterIdLst>
   <p:sldIdLst>
     <p:sldId id="257" r:id="rId2"/>
   </p:sldIdLst>
-  <p:sldSz cx="12192000" cy="6858000"/>
+  <p:sldSz cx="9144000" cy="6858000" type="screen4x3"/>
   <p:notesSz cx="6858000" cy="9144000"/>
   <p:defaultTextStyle>
     <a:defPPr>
       <a:defRPr lang="en-US"/>
     </a:defPPr>
-    <a:lvl1pPr marL="0" algn="l" defTabSz="914400" rtl="0" eaLnBrk="1" latinLnBrk="0" hangingPunct="1">
+    <a:lvl1pPr marL="0" algn="l" defTabSz="457200" rtl="0" eaLnBrk="1" latinLnBrk="0" hangingPunct="1">
       <a:defRPr sz="1800" kern="1200">
         <a:solidFill>
           <a:schemeClr val="tx1"/>
@@ -23,7 +23,7 @@
         <a:cs typeface="+mn-cs"/>
       </a:defRPr>
     </a:lvl1pPr>
-    <a:lvl2pPr marL="457200" algn="l" defTabSz="914400" rtl="0" eaLnBrk="1" latinLnBrk="0" hangingPunct="1">
+    <a:lvl2pPr marL="457200" algn="l" defTabSz="457200" rtl="0" eaLnBrk="1" latinLnBrk="0" hangingPunct="1">
       <a:defRPr sz="1800" kern="1200">
         <a:solidFill>
           <a:schemeClr val="tx1"/>
@@ -33,7 +33,7 @@
         <a:cs typeface="+mn-cs"/>
       </a:defRPr>
     </a:lvl2pPr>
-    <a:lvl3pPr marL="914400" algn="l" defTabSz="914400" rtl="0" eaLnBrk="1" latinLnBrk="0" hangingPunct="1">
+    <a:lvl3pPr marL="914400" algn="l" defTabSz="457200" rtl="0" eaLnBrk="1" latinLnBrk="0" hangingPunct="1">
       <a:defRPr sz="1800" kern="1200">
         <a:solidFill>
           <a:schemeClr val="tx1"/>
@@ -43,7 +43,7 @@
         <a:cs typeface="+mn-cs"/>
       </a:defRPr>
     </a:lvl3pPr>
-    <a:lvl4pPr marL="1371600" algn="l" defTabSz="914400" rtl="0" eaLnBrk="1" latinLnBrk="0" hangingPunct="1">
+    <a:lvl4pPr marL="1371600" algn="l" defTabSz="457200" rtl="0" eaLnBrk="1" latinLnBrk="0" hangingPunct="1">
       <a:defRPr sz="1800" kern="1200">
         <a:solidFill>
           <a:schemeClr val="tx1"/>
@@ -53,7 +53,7 @@
         <a:cs typeface="+mn-cs"/>
       </a:defRPr>
     </a:lvl4pPr>
-    <a:lvl5pPr marL="1828800" algn="l" defTabSz="914400" rtl="0" eaLnBrk="1" latinLnBrk="0" hangingPunct="1">
+    <a:lvl5pPr marL="1828800" algn="l" defTabSz="457200" rtl="0" eaLnBrk="1" latinLnBrk="0" hangingPunct="1">
       <a:defRPr sz="1800" kern="1200">
         <a:solidFill>
           <a:schemeClr val="tx1"/>
@@ -63,7 +63,7 @@
         <a:cs typeface="+mn-cs"/>
       </a:defRPr>
     </a:lvl5pPr>
-    <a:lvl6pPr marL="2286000" algn="l" defTabSz="914400" rtl="0" eaLnBrk="1" latinLnBrk="0" hangingPunct="1">
+    <a:lvl6pPr marL="2286000" algn="l" defTabSz="457200" rtl="0" eaLnBrk="1" latinLnBrk="0" hangingPunct="1">
       <a:defRPr sz="1800" kern="1200">
         <a:solidFill>
           <a:schemeClr val="tx1"/>
@@ -73,7 +73,7 @@
         <a:cs typeface="+mn-cs"/>
       </a:defRPr>
     </a:lvl6pPr>
-    <a:lvl7pPr marL="2743200" algn="l" defTabSz="914400" rtl="0" eaLnBrk="1" latinLnBrk="0" hangingPunct="1">
+    <a:lvl7pPr marL="2743200" algn="l" defTabSz="457200" rtl="0" eaLnBrk="1" latinLnBrk="0" hangingPunct="1">
       <a:defRPr sz="1800" kern="1200">
         <a:solidFill>
           <a:schemeClr val="tx1"/>
@@ -83,7 +83,7 @@
         <a:cs typeface="+mn-cs"/>
       </a:defRPr>
     </a:lvl7pPr>
-    <a:lvl8pPr marL="3200400" algn="l" defTabSz="914400" rtl="0" eaLnBrk="1" latinLnBrk="0" hangingPunct="1">
+    <a:lvl8pPr marL="3200400" algn="l" defTabSz="457200" rtl="0" eaLnBrk="1" latinLnBrk="0" hangingPunct="1">
       <a:defRPr sz="1800" kern="1200">
         <a:solidFill>
           <a:schemeClr val="tx1"/>
@@ -93,7 +93,7 @@
         <a:cs typeface="+mn-cs"/>
       </a:defRPr>
     </a:lvl8pPr>
-    <a:lvl9pPr marL="3657600" algn="l" defTabSz="914400" rtl="0" eaLnBrk="1" latinLnBrk="0" hangingPunct="1">
+    <a:lvl9pPr marL="3657600" algn="l" defTabSz="457200" rtl="0" eaLnBrk="1" latinLnBrk="0" hangingPunct="1">
       <a:defRPr sz="1800" kern="1200">
         <a:solidFill>
           <a:schemeClr val="tx1"/>
@@ -104,6 +104,11 @@
       </a:defRPr>
     </a:lvl9pPr>
   </p:defaultTextStyle>
+  <p:extLst>
+    <p:ext uri="{EFAFB233-063F-42B5-8137-9DF3F51BA10A}">
+      <p15:sldGuideLst xmlns:p15="http://schemas.microsoft.com/office/powerpoint/2012/main"/>
+    </p:ext>
+  </p:extLst>
 </p:presentation>
 </file>
 
@@ -126,13 +131,7 @@
       </p:grpSpPr>
       <p:sp>
         <p:nvSpPr>
-          <p:cNvPr id="2" name="Title 1">
-            <a:extLst>
-              <a:ext uri="{FF2B5EF4-FFF2-40B4-BE49-F238E27FC236}">
-                <a16:creationId xmlns:a16="http://schemas.microsoft.com/office/drawing/2014/main" id="{C33819D3-9E02-C5B7-C7B7-30AD83431969}"/>
-              </a:ext>
-            </a:extLst>
-          </p:cNvPr>
+          <p:cNvPr id="2" name="Title 1"/>
           <p:cNvSpPr>
             <a:spLocks noGrp="1"/>
           </p:cNvSpPr>
@@ -142,8 +141,8 @@
         </p:nvSpPr>
         <p:spPr>
           <a:xfrm>
-            <a:off x="1524000" y="1122363"/>
-            <a:ext cx="9144000" cy="2387600"/>
+            <a:off x="685800" y="1122363"/>
+            <a:ext cx="7772400" cy="2387600"/>
           </a:xfrm>
         </p:spPr>
         <p:txBody>
@@ -158,18 +157,13 @@
               <a:rPr lang="en-US"/>
               <a:t>Click to edit Master title style</a:t>
             </a:r>
+            <a:endParaRPr lang="en-US" dirty="0"/>
           </a:p>
         </p:txBody>
       </p:sp>
       <p:sp>
         <p:nvSpPr>
-          <p:cNvPr id="3" name="Subtitle 2">
-            <a:extLst>
-              <a:ext uri="{FF2B5EF4-FFF2-40B4-BE49-F238E27FC236}">
-                <a16:creationId xmlns:a16="http://schemas.microsoft.com/office/drawing/2014/main" id="{86E9A077-64B5-B47B-7C64-E3E68022E2E8}"/>
-              </a:ext>
-            </a:extLst>
-          </p:cNvPr>
+          <p:cNvPr id="3" name="Subtitle 2"/>
           <p:cNvSpPr>
             <a:spLocks noGrp="1"/>
           </p:cNvSpPr>
@@ -179,8 +173,8 @@
         </p:nvSpPr>
         <p:spPr>
           <a:xfrm>
-            <a:off x="1524000" y="3602038"/>
-            <a:ext cx="9144000" cy="1655762"/>
+            <a:off x="1143000" y="3602038"/>
+            <a:ext cx="6858000" cy="1655762"/>
           </a:xfrm>
         </p:spPr>
         <p:txBody>
@@ -228,18 +222,13 @@
               <a:rPr lang="en-US"/>
               <a:t>Click to edit Master subtitle style</a:t>
             </a:r>
+            <a:endParaRPr lang="en-US" dirty="0"/>
           </a:p>
         </p:txBody>
       </p:sp>
       <p:sp>
         <p:nvSpPr>
-          <p:cNvPr id="4" name="Date Placeholder 3">
-            <a:extLst>
-              <a:ext uri="{FF2B5EF4-FFF2-40B4-BE49-F238E27FC236}">
-                <a16:creationId xmlns:a16="http://schemas.microsoft.com/office/drawing/2014/main" id="{B9CF2AE4-7B64-7D04-E21C-046C613A3641}"/>
-              </a:ext>
-            </a:extLst>
-          </p:cNvPr>
+          <p:cNvPr id="4" name="Date Placeholder 3"/>
           <p:cNvSpPr>
             <a:spLocks noGrp="1"/>
           </p:cNvSpPr>
@@ -254,7 +243,7 @@
           <a:p>
             <a:fld id="{2029D419-64CC-4E88-B96B-38315028A839}" type="datetimeFigureOut">
               <a:rPr lang="en-US" smtClean="0"/>
-              <a:t>1/14/2024</a:t>
+              <a:t>5/8/2024</a:t>
             </a:fld>
             <a:endParaRPr lang="en-US"/>
           </a:p>
@@ -262,13 +251,7 @@
       </p:sp>
       <p:sp>
         <p:nvSpPr>
-          <p:cNvPr id="5" name="Footer Placeholder 4">
-            <a:extLst>
-              <a:ext uri="{FF2B5EF4-FFF2-40B4-BE49-F238E27FC236}">
-                <a16:creationId xmlns:a16="http://schemas.microsoft.com/office/drawing/2014/main" id="{83E7567A-53AB-ABF1-E774-C68D2B4406C3}"/>
-              </a:ext>
-            </a:extLst>
-          </p:cNvPr>
+          <p:cNvPr id="5" name="Footer Placeholder 4"/>
           <p:cNvSpPr>
             <a:spLocks noGrp="1"/>
           </p:cNvSpPr>
@@ -287,13 +270,7 @@
       </p:sp>
       <p:sp>
         <p:nvSpPr>
-          <p:cNvPr id="6" name="Slide Number Placeholder 5">
-            <a:extLst>
-              <a:ext uri="{FF2B5EF4-FFF2-40B4-BE49-F238E27FC236}">
-                <a16:creationId xmlns:a16="http://schemas.microsoft.com/office/drawing/2014/main" id="{D6087A0B-FC89-1108-2E37-95812DC73B02}"/>
-              </a:ext>
-            </a:extLst>
-          </p:cNvPr>
+          <p:cNvPr id="6" name="Slide Number Placeholder 5"/>
           <p:cNvSpPr>
             <a:spLocks noGrp="1"/>
           </p:cNvSpPr>
@@ -317,7 +294,7 @@
     </p:spTree>
     <p:extLst>
       <p:ext uri="{BB962C8B-B14F-4D97-AF65-F5344CB8AC3E}">
-        <p14:creationId xmlns:p14="http://schemas.microsoft.com/office/powerpoint/2010/main" val="4194564010"/>
+        <p14:creationId xmlns:p14="http://schemas.microsoft.com/office/powerpoint/2010/main" val="932010928"/>
       </p:ext>
     </p:extLst>
   </p:cSld>
@@ -346,13 +323,7 @@
       </p:grpSpPr>
       <p:sp>
         <p:nvSpPr>
-          <p:cNvPr id="2" name="Title 1">
-            <a:extLst>
-              <a:ext uri="{FF2B5EF4-FFF2-40B4-BE49-F238E27FC236}">
-                <a16:creationId xmlns:a16="http://schemas.microsoft.com/office/drawing/2014/main" id="{B15562E9-C284-0C7E-E1AD-FACA2EE2F453}"/>
-              </a:ext>
-            </a:extLst>
-          </p:cNvPr>
+          <p:cNvPr id="2" name="Title 1"/>
           <p:cNvSpPr>
             <a:spLocks noGrp="1"/>
           </p:cNvSpPr>
@@ -369,18 +340,13 @@
               <a:rPr lang="en-US"/>
               <a:t>Click to edit Master title style</a:t>
             </a:r>
+            <a:endParaRPr lang="en-US" dirty="0"/>
           </a:p>
         </p:txBody>
       </p:sp>
       <p:sp>
         <p:nvSpPr>
-          <p:cNvPr id="3" name="Vertical Text Placeholder 2">
-            <a:extLst>
-              <a:ext uri="{FF2B5EF4-FFF2-40B4-BE49-F238E27FC236}">
-                <a16:creationId xmlns:a16="http://schemas.microsoft.com/office/drawing/2014/main" id="{5ACA7572-C2CE-5890-0B33-BE6F67F772D0}"/>
-              </a:ext>
-            </a:extLst>
-          </p:cNvPr>
+          <p:cNvPr id="3" name="Vertical Text Placeholder 2"/>
           <p:cNvSpPr>
             <a:spLocks noGrp="1"/>
           </p:cNvSpPr>
@@ -426,18 +392,13 @@
               <a:rPr lang="en-US"/>
               <a:t>Fifth level</a:t>
             </a:r>
+            <a:endParaRPr lang="en-US" dirty="0"/>
           </a:p>
         </p:txBody>
       </p:sp>
       <p:sp>
         <p:nvSpPr>
-          <p:cNvPr id="4" name="Date Placeholder 3">
-            <a:extLst>
-              <a:ext uri="{FF2B5EF4-FFF2-40B4-BE49-F238E27FC236}">
-                <a16:creationId xmlns:a16="http://schemas.microsoft.com/office/drawing/2014/main" id="{C9E21EB0-CA2F-631C-0E09-217A87C22241}"/>
-              </a:ext>
-            </a:extLst>
-          </p:cNvPr>
+          <p:cNvPr id="4" name="Date Placeholder 3"/>
           <p:cNvSpPr>
             <a:spLocks noGrp="1"/>
           </p:cNvSpPr>
@@ -452,7 +413,7 @@
           <a:p>
             <a:fld id="{2029D419-64CC-4E88-B96B-38315028A839}" type="datetimeFigureOut">
               <a:rPr lang="en-US" smtClean="0"/>
-              <a:t>1/14/2024</a:t>
+              <a:t>5/8/2024</a:t>
             </a:fld>
             <a:endParaRPr lang="en-US"/>
           </a:p>
@@ -460,13 +421,7 @@
       </p:sp>
       <p:sp>
         <p:nvSpPr>
-          <p:cNvPr id="5" name="Footer Placeholder 4">
-            <a:extLst>
-              <a:ext uri="{FF2B5EF4-FFF2-40B4-BE49-F238E27FC236}">
-                <a16:creationId xmlns:a16="http://schemas.microsoft.com/office/drawing/2014/main" id="{DAD09439-79EF-7D1B-741E-E0E3E490D500}"/>
-              </a:ext>
-            </a:extLst>
-          </p:cNvPr>
+          <p:cNvPr id="5" name="Footer Placeholder 4"/>
           <p:cNvSpPr>
             <a:spLocks noGrp="1"/>
           </p:cNvSpPr>
@@ -485,13 +440,7 @@
       </p:sp>
       <p:sp>
         <p:nvSpPr>
-          <p:cNvPr id="6" name="Slide Number Placeholder 5">
-            <a:extLst>
-              <a:ext uri="{FF2B5EF4-FFF2-40B4-BE49-F238E27FC236}">
-                <a16:creationId xmlns:a16="http://schemas.microsoft.com/office/drawing/2014/main" id="{7901A9D0-1C1A-96A5-257E-354D6238FD57}"/>
-              </a:ext>
-            </a:extLst>
-          </p:cNvPr>
+          <p:cNvPr id="6" name="Slide Number Placeholder 5"/>
           <p:cNvSpPr>
             <a:spLocks noGrp="1"/>
           </p:cNvSpPr>
@@ -515,7 +464,7 @@
     </p:spTree>
     <p:extLst>
       <p:ext uri="{BB962C8B-B14F-4D97-AF65-F5344CB8AC3E}">
-        <p14:creationId xmlns:p14="http://schemas.microsoft.com/office/powerpoint/2010/main" val="2419114898"/>
+        <p14:creationId xmlns:p14="http://schemas.microsoft.com/office/powerpoint/2010/main" val="204102977"/>
       </p:ext>
     </p:extLst>
   </p:cSld>
@@ -544,13 +493,7 @@
       </p:grpSpPr>
       <p:sp>
         <p:nvSpPr>
-          <p:cNvPr id="2" name="Vertical Title 1">
-            <a:extLst>
-              <a:ext uri="{FF2B5EF4-FFF2-40B4-BE49-F238E27FC236}">
-                <a16:creationId xmlns:a16="http://schemas.microsoft.com/office/drawing/2014/main" id="{7F69828B-9C8D-EDD5-E56B-1958D4200730}"/>
-              </a:ext>
-            </a:extLst>
-          </p:cNvPr>
+          <p:cNvPr id="2" name="Vertical Title 1"/>
           <p:cNvSpPr>
             <a:spLocks noGrp="1"/>
           </p:cNvSpPr>
@@ -560,8 +503,8 @@
         </p:nvSpPr>
         <p:spPr>
           <a:xfrm>
-            <a:off x="8724900" y="365125"/>
-            <a:ext cx="2628900" cy="5811838"/>
+            <a:off x="6543675" y="365125"/>
+            <a:ext cx="1971675" cy="5811838"/>
           </a:xfrm>
         </p:spPr>
         <p:txBody>
@@ -572,18 +515,13 @@
               <a:rPr lang="en-US"/>
               <a:t>Click to edit Master title style</a:t>
             </a:r>
+            <a:endParaRPr lang="en-US" dirty="0"/>
           </a:p>
         </p:txBody>
       </p:sp>
       <p:sp>
         <p:nvSpPr>
-          <p:cNvPr id="3" name="Vertical Text Placeholder 2">
-            <a:extLst>
-              <a:ext uri="{FF2B5EF4-FFF2-40B4-BE49-F238E27FC236}">
-                <a16:creationId xmlns:a16="http://schemas.microsoft.com/office/drawing/2014/main" id="{9B0950BF-7EE1-A740-387B-F7B86CF1C1A9}"/>
-              </a:ext>
-            </a:extLst>
-          </p:cNvPr>
+          <p:cNvPr id="3" name="Vertical Text Placeholder 2"/>
           <p:cNvSpPr>
             <a:spLocks noGrp="1"/>
           </p:cNvSpPr>
@@ -593,8 +531,8 @@
         </p:nvSpPr>
         <p:spPr>
           <a:xfrm>
-            <a:off x="838200" y="365125"/>
-            <a:ext cx="7734300" cy="5811838"/>
+            <a:off x="628650" y="365125"/>
+            <a:ext cx="5800725" cy="5811838"/>
           </a:xfrm>
         </p:spPr>
         <p:txBody>
@@ -634,18 +572,13 @@
               <a:rPr lang="en-US"/>
               <a:t>Fifth level</a:t>
             </a:r>
+            <a:endParaRPr lang="en-US" dirty="0"/>
           </a:p>
         </p:txBody>
       </p:sp>
       <p:sp>
         <p:nvSpPr>
-          <p:cNvPr id="4" name="Date Placeholder 3">
-            <a:extLst>
-              <a:ext uri="{FF2B5EF4-FFF2-40B4-BE49-F238E27FC236}">
-                <a16:creationId xmlns:a16="http://schemas.microsoft.com/office/drawing/2014/main" id="{2F674288-0225-B341-7086-BDAD7DD69ECD}"/>
-              </a:ext>
-            </a:extLst>
-          </p:cNvPr>
+          <p:cNvPr id="4" name="Date Placeholder 3"/>
           <p:cNvSpPr>
             <a:spLocks noGrp="1"/>
           </p:cNvSpPr>
@@ -660,7 +593,7 @@
           <a:p>
             <a:fld id="{2029D419-64CC-4E88-B96B-38315028A839}" type="datetimeFigureOut">
               <a:rPr lang="en-US" smtClean="0"/>
-              <a:t>1/14/2024</a:t>
+              <a:t>5/8/2024</a:t>
             </a:fld>
             <a:endParaRPr lang="en-US"/>
           </a:p>
@@ -668,13 +601,7 @@
       </p:sp>
       <p:sp>
         <p:nvSpPr>
-          <p:cNvPr id="5" name="Footer Placeholder 4">
-            <a:extLst>
-              <a:ext uri="{FF2B5EF4-FFF2-40B4-BE49-F238E27FC236}">
-                <a16:creationId xmlns:a16="http://schemas.microsoft.com/office/drawing/2014/main" id="{BB97C86A-CD1D-18D2-1CAA-B88FC8A25727}"/>
-              </a:ext>
-            </a:extLst>
-          </p:cNvPr>
+          <p:cNvPr id="5" name="Footer Placeholder 4"/>
           <p:cNvSpPr>
             <a:spLocks noGrp="1"/>
           </p:cNvSpPr>
@@ -693,13 +620,7 @@
       </p:sp>
       <p:sp>
         <p:nvSpPr>
-          <p:cNvPr id="6" name="Slide Number Placeholder 5">
-            <a:extLst>
-              <a:ext uri="{FF2B5EF4-FFF2-40B4-BE49-F238E27FC236}">
-                <a16:creationId xmlns:a16="http://schemas.microsoft.com/office/drawing/2014/main" id="{D8BDCA65-151F-D5AF-4643-350142519096}"/>
-              </a:ext>
-            </a:extLst>
-          </p:cNvPr>
+          <p:cNvPr id="6" name="Slide Number Placeholder 5"/>
           <p:cNvSpPr>
             <a:spLocks noGrp="1"/>
           </p:cNvSpPr>
@@ -723,7 +644,7 @@
     </p:spTree>
     <p:extLst>
       <p:ext uri="{BB962C8B-B14F-4D97-AF65-F5344CB8AC3E}">
-        <p14:creationId xmlns:p14="http://schemas.microsoft.com/office/powerpoint/2010/main" val="602722518"/>
+        <p14:creationId xmlns:p14="http://schemas.microsoft.com/office/powerpoint/2010/main" val="422883462"/>
       </p:ext>
     </p:extLst>
   </p:cSld>
@@ -752,13 +673,7 @@
       </p:grpSpPr>
       <p:sp>
         <p:nvSpPr>
-          <p:cNvPr id="2" name="Title 1">
-            <a:extLst>
-              <a:ext uri="{FF2B5EF4-FFF2-40B4-BE49-F238E27FC236}">
-                <a16:creationId xmlns:a16="http://schemas.microsoft.com/office/drawing/2014/main" id="{A10A674C-9B3E-E32D-4AED-5E93AC9A6714}"/>
-              </a:ext>
-            </a:extLst>
-          </p:cNvPr>
+          <p:cNvPr id="2" name="Title 1"/>
           <p:cNvSpPr>
             <a:spLocks noGrp="1"/>
           </p:cNvSpPr>
@@ -775,18 +690,13 @@
               <a:rPr lang="en-US"/>
               <a:t>Click to edit Master title style</a:t>
             </a:r>
+            <a:endParaRPr lang="en-US" dirty="0"/>
           </a:p>
         </p:txBody>
       </p:sp>
       <p:sp>
         <p:nvSpPr>
-          <p:cNvPr id="3" name="Content Placeholder 2">
-            <a:extLst>
-              <a:ext uri="{FF2B5EF4-FFF2-40B4-BE49-F238E27FC236}">
-                <a16:creationId xmlns:a16="http://schemas.microsoft.com/office/drawing/2014/main" id="{FC20FA43-27DC-3006-60F9-4CA35CEF9824}"/>
-              </a:ext>
-            </a:extLst>
-          </p:cNvPr>
+          <p:cNvPr id="3" name="Content Placeholder 2"/>
           <p:cNvSpPr>
             <a:spLocks noGrp="1"/>
           </p:cNvSpPr>
@@ -832,18 +742,13 @@
               <a:rPr lang="en-US"/>
               <a:t>Fifth level</a:t>
             </a:r>
+            <a:endParaRPr lang="en-US" dirty="0"/>
           </a:p>
         </p:txBody>
       </p:sp>
       <p:sp>
         <p:nvSpPr>
-          <p:cNvPr id="4" name="Date Placeholder 3">
-            <a:extLst>
-              <a:ext uri="{FF2B5EF4-FFF2-40B4-BE49-F238E27FC236}">
-                <a16:creationId xmlns:a16="http://schemas.microsoft.com/office/drawing/2014/main" id="{6F694691-D816-78BD-070B-4284E4B40C7C}"/>
-              </a:ext>
-            </a:extLst>
-          </p:cNvPr>
+          <p:cNvPr id="4" name="Date Placeholder 3"/>
           <p:cNvSpPr>
             <a:spLocks noGrp="1"/>
           </p:cNvSpPr>
@@ -858,7 +763,7 @@
           <a:p>
             <a:fld id="{2029D419-64CC-4E88-B96B-38315028A839}" type="datetimeFigureOut">
               <a:rPr lang="en-US" smtClean="0"/>
-              <a:t>1/14/2024</a:t>
+              <a:t>5/8/2024</a:t>
             </a:fld>
             <a:endParaRPr lang="en-US"/>
           </a:p>
@@ -866,13 +771,7 @@
       </p:sp>
       <p:sp>
         <p:nvSpPr>
-          <p:cNvPr id="5" name="Footer Placeholder 4">
-            <a:extLst>
-              <a:ext uri="{FF2B5EF4-FFF2-40B4-BE49-F238E27FC236}">
-                <a16:creationId xmlns:a16="http://schemas.microsoft.com/office/drawing/2014/main" id="{86E8EB72-E344-4B99-03D5-C457FCEB4F12}"/>
-              </a:ext>
-            </a:extLst>
-          </p:cNvPr>
+          <p:cNvPr id="5" name="Footer Placeholder 4"/>
           <p:cNvSpPr>
             <a:spLocks noGrp="1"/>
           </p:cNvSpPr>
@@ -891,13 +790,7 @@
       </p:sp>
       <p:sp>
         <p:nvSpPr>
-          <p:cNvPr id="6" name="Slide Number Placeholder 5">
-            <a:extLst>
-              <a:ext uri="{FF2B5EF4-FFF2-40B4-BE49-F238E27FC236}">
-                <a16:creationId xmlns:a16="http://schemas.microsoft.com/office/drawing/2014/main" id="{45F35285-9FAC-BEDC-CFAE-46FB2BDEF7EC}"/>
-              </a:ext>
-            </a:extLst>
-          </p:cNvPr>
+          <p:cNvPr id="6" name="Slide Number Placeholder 5"/>
           <p:cNvSpPr>
             <a:spLocks noGrp="1"/>
           </p:cNvSpPr>
@@ -921,7 +814,7 @@
     </p:spTree>
     <p:extLst>
       <p:ext uri="{BB962C8B-B14F-4D97-AF65-F5344CB8AC3E}">
-        <p14:creationId xmlns:p14="http://schemas.microsoft.com/office/powerpoint/2010/main" val="899920015"/>
+        <p14:creationId xmlns:p14="http://schemas.microsoft.com/office/powerpoint/2010/main" val="4104791724"/>
       </p:ext>
     </p:extLst>
   </p:cSld>
@@ -950,13 +843,7 @@
       </p:grpSpPr>
       <p:sp>
         <p:nvSpPr>
-          <p:cNvPr id="2" name="Title 1">
-            <a:extLst>
-              <a:ext uri="{FF2B5EF4-FFF2-40B4-BE49-F238E27FC236}">
-                <a16:creationId xmlns:a16="http://schemas.microsoft.com/office/drawing/2014/main" id="{DA48ED92-575D-7D2E-F12D-E83E72733EEB}"/>
-              </a:ext>
-            </a:extLst>
-          </p:cNvPr>
+          <p:cNvPr id="2" name="Title 1"/>
           <p:cNvSpPr>
             <a:spLocks noGrp="1"/>
           </p:cNvSpPr>
@@ -966,8 +853,8 @@
         </p:nvSpPr>
         <p:spPr>
           <a:xfrm>
-            <a:off x="831850" y="1709738"/>
-            <a:ext cx="10515600" cy="2852737"/>
+            <a:off x="623888" y="1709739"/>
+            <a:ext cx="7886700" cy="2852737"/>
           </a:xfrm>
         </p:spPr>
         <p:txBody>
@@ -982,18 +869,13 @@
               <a:rPr lang="en-US"/>
               <a:t>Click to edit Master title style</a:t>
             </a:r>
+            <a:endParaRPr lang="en-US" dirty="0"/>
           </a:p>
         </p:txBody>
       </p:sp>
       <p:sp>
         <p:nvSpPr>
-          <p:cNvPr id="3" name="Text Placeholder 2">
-            <a:extLst>
-              <a:ext uri="{FF2B5EF4-FFF2-40B4-BE49-F238E27FC236}">
-                <a16:creationId xmlns:a16="http://schemas.microsoft.com/office/drawing/2014/main" id="{9A726445-CFAA-4B05-6AEC-C6B085FF6BD1}"/>
-              </a:ext>
-            </a:extLst>
-          </p:cNvPr>
+          <p:cNvPr id="3" name="Text Placeholder 2"/>
           <p:cNvSpPr>
             <a:spLocks noGrp="1"/>
           </p:cNvSpPr>
@@ -1003,8 +885,8 @@
         </p:nvSpPr>
         <p:spPr>
           <a:xfrm>
-            <a:off x="831850" y="4589463"/>
-            <a:ext cx="10515600" cy="1500187"/>
+            <a:off x="623888" y="4589464"/>
+            <a:ext cx="7886700" cy="1500187"/>
           </a:xfrm>
         </p:spPr>
         <p:txBody>
@@ -1112,13 +994,7 @@
       </p:sp>
       <p:sp>
         <p:nvSpPr>
-          <p:cNvPr id="4" name="Date Placeholder 3">
-            <a:extLst>
-              <a:ext uri="{FF2B5EF4-FFF2-40B4-BE49-F238E27FC236}">
-                <a16:creationId xmlns:a16="http://schemas.microsoft.com/office/drawing/2014/main" id="{681636CB-5319-4860-7D23-88BDBA0858AD}"/>
-              </a:ext>
-            </a:extLst>
-          </p:cNvPr>
+          <p:cNvPr id="4" name="Date Placeholder 3"/>
           <p:cNvSpPr>
             <a:spLocks noGrp="1"/>
           </p:cNvSpPr>
@@ -1133,7 +1009,7 @@
           <a:p>
             <a:fld id="{2029D419-64CC-4E88-B96B-38315028A839}" type="datetimeFigureOut">
               <a:rPr lang="en-US" smtClean="0"/>
-              <a:t>1/14/2024</a:t>
+              <a:t>5/8/2024</a:t>
             </a:fld>
             <a:endParaRPr lang="en-US"/>
           </a:p>
@@ -1141,13 +1017,7 @@
       </p:sp>
       <p:sp>
         <p:nvSpPr>
-          <p:cNvPr id="5" name="Footer Placeholder 4">
-            <a:extLst>
-              <a:ext uri="{FF2B5EF4-FFF2-40B4-BE49-F238E27FC236}">
-                <a16:creationId xmlns:a16="http://schemas.microsoft.com/office/drawing/2014/main" id="{37F4B17D-C0AE-5977-004C-2E35B86BAC21}"/>
-              </a:ext>
-            </a:extLst>
-          </p:cNvPr>
+          <p:cNvPr id="5" name="Footer Placeholder 4"/>
           <p:cNvSpPr>
             <a:spLocks noGrp="1"/>
           </p:cNvSpPr>
@@ -1166,13 +1036,7 @@
       </p:sp>
       <p:sp>
         <p:nvSpPr>
-          <p:cNvPr id="6" name="Slide Number Placeholder 5">
-            <a:extLst>
-              <a:ext uri="{FF2B5EF4-FFF2-40B4-BE49-F238E27FC236}">
-                <a16:creationId xmlns:a16="http://schemas.microsoft.com/office/drawing/2014/main" id="{0598E5D6-CBF8-F211-79FD-ED47EEA8F15A}"/>
-              </a:ext>
-            </a:extLst>
-          </p:cNvPr>
+          <p:cNvPr id="6" name="Slide Number Placeholder 5"/>
           <p:cNvSpPr>
             <a:spLocks noGrp="1"/>
           </p:cNvSpPr>
@@ -1196,7 +1060,7 @@
     </p:spTree>
     <p:extLst>
       <p:ext uri="{BB962C8B-B14F-4D97-AF65-F5344CB8AC3E}">
-        <p14:creationId xmlns:p14="http://schemas.microsoft.com/office/powerpoint/2010/main" val="612996308"/>
+        <p14:creationId xmlns:p14="http://schemas.microsoft.com/office/powerpoint/2010/main" val="1186384891"/>
       </p:ext>
     </p:extLst>
   </p:cSld>
@@ -1225,13 +1089,7 @@
       </p:grpSpPr>
       <p:sp>
         <p:nvSpPr>
-          <p:cNvPr id="2" name="Title 1">
-            <a:extLst>
-              <a:ext uri="{FF2B5EF4-FFF2-40B4-BE49-F238E27FC236}">
-                <a16:creationId xmlns:a16="http://schemas.microsoft.com/office/drawing/2014/main" id="{775AE848-F0D0-9544-81AD-BDA78F01A2FB}"/>
-              </a:ext>
-            </a:extLst>
-          </p:cNvPr>
+          <p:cNvPr id="2" name="Title 1"/>
           <p:cNvSpPr>
             <a:spLocks noGrp="1"/>
           </p:cNvSpPr>
@@ -1248,18 +1106,13 @@
               <a:rPr lang="en-US"/>
               <a:t>Click to edit Master title style</a:t>
             </a:r>
+            <a:endParaRPr lang="en-US" dirty="0"/>
           </a:p>
         </p:txBody>
       </p:sp>
       <p:sp>
         <p:nvSpPr>
-          <p:cNvPr id="3" name="Content Placeholder 2">
-            <a:extLst>
-              <a:ext uri="{FF2B5EF4-FFF2-40B4-BE49-F238E27FC236}">
-                <a16:creationId xmlns:a16="http://schemas.microsoft.com/office/drawing/2014/main" id="{F5C96E01-FF59-CEEE-BAA4-E1AE1C5349E5}"/>
-              </a:ext>
-            </a:extLst>
-          </p:cNvPr>
+          <p:cNvPr id="3" name="Content Placeholder 2"/>
           <p:cNvSpPr>
             <a:spLocks noGrp="1"/>
           </p:cNvSpPr>
@@ -1269,8 +1122,8 @@
         </p:nvSpPr>
         <p:spPr>
           <a:xfrm>
-            <a:off x="838200" y="1825625"/>
-            <a:ext cx="5181600" cy="4351338"/>
+            <a:off x="628650" y="1825625"/>
+            <a:ext cx="3886200" cy="4351338"/>
           </a:xfrm>
         </p:spPr>
         <p:txBody>
@@ -1310,18 +1163,13 @@
               <a:rPr lang="en-US"/>
               <a:t>Fifth level</a:t>
             </a:r>
+            <a:endParaRPr lang="en-US" dirty="0"/>
           </a:p>
         </p:txBody>
       </p:sp>
       <p:sp>
         <p:nvSpPr>
-          <p:cNvPr id="4" name="Content Placeholder 3">
-            <a:extLst>
-              <a:ext uri="{FF2B5EF4-FFF2-40B4-BE49-F238E27FC236}">
-                <a16:creationId xmlns:a16="http://schemas.microsoft.com/office/drawing/2014/main" id="{36AA6542-335E-723F-7014-ED2B3B3876CC}"/>
-              </a:ext>
-            </a:extLst>
-          </p:cNvPr>
+          <p:cNvPr id="4" name="Content Placeholder 3"/>
           <p:cNvSpPr>
             <a:spLocks noGrp="1"/>
           </p:cNvSpPr>
@@ -1331,8 +1179,8 @@
         </p:nvSpPr>
         <p:spPr>
           <a:xfrm>
-            <a:off x="6172200" y="1825625"/>
-            <a:ext cx="5181600" cy="4351338"/>
+            <a:off x="4629150" y="1825625"/>
+            <a:ext cx="3886200" cy="4351338"/>
           </a:xfrm>
         </p:spPr>
         <p:txBody>
@@ -1372,18 +1220,13 @@
               <a:rPr lang="en-US"/>
               <a:t>Fifth level</a:t>
             </a:r>
+            <a:endParaRPr lang="en-US" dirty="0"/>
           </a:p>
         </p:txBody>
       </p:sp>
       <p:sp>
         <p:nvSpPr>
-          <p:cNvPr id="5" name="Date Placeholder 4">
-            <a:extLst>
-              <a:ext uri="{FF2B5EF4-FFF2-40B4-BE49-F238E27FC236}">
-                <a16:creationId xmlns:a16="http://schemas.microsoft.com/office/drawing/2014/main" id="{95B660D1-5094-C2E8-F4CE-82899842827F}"/>
-              </a:ext>
-            </a:extLst>
-          </p:cNvPr>
+          <p:cNvPr id="5" name="Date Placeholder 4"/>
           <p:cNvSpPr>
             <a:spLocks noGrp="1"/>
           </p:cNvSpPr>
@@ -1398,7 +1241,7 @@
           <a:p>
             <a:fld id="{2029D419-64CC-4E88-B96B-38315028A839}" type="datetimeFigureOut">
               <a:rPr lang="en-US" smtClean="0"/>
-              <a:t>1/14/2024</a:t>
+              <a:t>5/8/2024</a:t>
             </a:fld>
             <a:endParaRPr lang="en-US"/>
           </a:p>
@@ -1406,13 +1249,7 @@
       </p:sp>
       <p:sp>
         <p:nvSpPr>
-          <p:cNvPr id="6" name="Footer Placeholder 5">
-            <a:extLst>
-              <a:ext uri="{FF2B5EF4-FFF2-40B4-BE49-F238E27FC236}">
-                <a16:creationId xmlns:a16="http://schemas.microsoft.com/office/drawing/2014/main" id="{14F28619-195A-328E-62CA-218B0BA2E6EF}"/>
-              </a:ext>
-            </a:extLst>
-          </p:cNvPr>
+          <p:cNvPr id="6" name="Footer Placeholder 5"/>
           <p:cNvSpPr>
             <a:spLocks noGrp="1"/>
           </p:cNvSpPr>
@@ -1431,13 +1268,7 @@
       </p:sp>
       <p:sp>
         <p:nvSpPr>
-          <p:cNvPr id="7" name="Slide Number Placeholder 6">
-            <a:extLst>
-              <a:ext uri="{FF2B5EF4-FFF2-40B4-BE49-F238E27FC236}">
-                <a16:creationId xmlns:a16="http://schemas.microsoft.com/office/drawing/2014/main" id="{03DA56E0-40D3-F3B3-8207-6FFDAF9FDBB7}"/>
-              </a:ext>
-            </a:extLst>
-          </p:cNvPr>
+          <p:cNvPr id="7" name="Slide Number Placeholder 6"/>
           <p:cNvSpPr>
             <a:spLocks noGrp="1"/>
           </p:cNvSpPr>
@@ -1461,7 +1292,7 @@
     </p:spTree>
     <p:extLst>
       <p:ext uri="{BB962C8B-B14F-4D97-AF65-F5344CB8AC3E}">
-        <p14:creationId xmlns:p14="http://schemas.microsoft.com/office/powerpoint/2010/main" val="1327878876"/>
+        <p14:creationId xmlns:p14="http://schemas.microsoft.com/office/powerpoint/2010/main" val="1653554513"/>
       </p:ext>
     </p:extLst>
   </p:cSld>
@@ -1490,13 +1321,7 @@
       </p:grpSpPr>
       <p:sp>
         <p:nvSpPr>
-          <p:cNvPr id="2" name="Title 1">
-            <a:extLst>
-              <a:ext uri="{FF2B5EF4-FFF2-40B4-BE49-F238E27FC236}">
-                <a16:creationId xmlns:a16="http://schemas.microsoft.com/office/drawing/2014/main" id="{587AF2BB-C477-9F4D-F5ED-A976477E2B0E}"/>
-              </a:ext>
-            </a:extLst>
-          </p:cNvPr>
+          <p:cNvPr id="2" name="Title 1"/>
           <p:cNvSpPr>
             <a:spLocks noGrp="1"/>
           </p:cNvSpPr>
@@ -1506,8 +1331,8 @@
         </p:nvSpPr>
         <p:spPr>
           <a:xfrm>
-            <a:off x="839788" y="365125"/>
-            <a:ext cx="10515600" cy="1325563"/>
+            <a:off x="629841" y="365126"/>
+            <a:ext cx="7886700" cy="1325563"/>
           </a:xfrm>
         </p:spPr>
         <p:txBody>
@@ -1518,18 +1343,13 @@
               <a:rPr lang="en-US"/>
               <a:t>Click to edit Master title style</a:t>
             </a:r>
+            <a:endParaRPr lang="en-US" dirty="0"/>
           </a:p>
         </p:txBody>
       </p:sp>
       <p:sp>
         <p:nvSpPr>
-          <p:cNvPr id="3" name="Text Placeholder 2">
-            <a:extLst>
-              <a:ext uri="{FF2B5EF4-FFF2-40B4-BE49-F238E27FC236}">
-                <a16:creationId xmlns:a16="http://schemas.microsoft.com/office/drawing/2014/main" id="{960B524D-4631-06CB-148D-DC88637DA090}"/>
-              </a:ext>
-            </a:extLst>
-          </p:cNvPr>
+          <p:cNvPr id="3" name="Text Placeholder 2"/>
           <p:cNvSpPr>
             <a:spLocks noGrp="1"/>
           </p:cNvSpPr>
@@ -1539,8 +1359,8 @@
         </p:nvSpPr>
         <p:spPr>
           <a:xfrm>
-            <a:off x="839788" y="1681163"/>
-            <a:ext cx="5157787" cy="823912"/>
+            <a:off x="629842" y="1681163"/>
+            <a:ext cx="3868340" cy="823912"/>
           </a:xfrm>
         </p:spPr>
         <p:txBody>
@@ -1594,13 +1414,7 @@
       </p:sp>
       <p:sp>
         <p:nvSpPr>
-          <p:cNvPr id="4" name="Content Placeholder 3">
-            <a:extLst>
-              <a:ext uri="{FF2B5EF4-FFF2-40B4-BE49-F238E27FC236}">
-                <a16:creationId xmlns:a16="http://schemas.microsoft.com/office/drawing/2014/main" id="{D8D17F76-8E8C-2858-F5A0-8F7058FD330A}"/>
-              </a:ext>
-            </a:extLst>
-          </p:cNvPr>
+          <p:cNvPr id="4" name="Content Placeholder 3"/>
           <p:cNvSpPr>
             <a:spLocks noGrp="1"/>
           </p:cNvSpPr>
@@ -1610,8 +1424,8 @@
         </p:nvSpPr>
         <p:spPr>
           <a:xfrm>
-            <a:off x="839788" y="2505075"/>
-            <a:ext cx="5157787" cy="3684588"/>
+            <a:off x="629842" y="2505075"/>
+            <a:ext cx="3868340" cy="3684588"/>
           </a:xfrm>
         </p:spPr>
         <p:txBody>
@@ -1651,18 +1465,13 @@
               <a:rPr lang="en-US"/>
               <a:t>Fifth level</a:t>
             </a:r>
+            <a:endParaRPr lang="en-US" dirty="0"/>
           </a:p>
         </p:txBody>
       </p:sp>
       <p:sp>
         <p:nvSpPr>
-          <p:cNvPr id="5" name="Text Placeholder 4">
-            <a:extLst>
-              <a:ext uri="{FF2B5EF4-FFF2-40B4-BE49-F238E27FC236}">
-                <a16:creationId xmlns:a16="http://schemas.microsoft.com/office/drawing/2014/main" id="{FDBA937E-CEFC-35B8-F7D6-F1D8602FCF11}"/>
-              </a:ext>
-            </a:extLst>
-          </p:cNvPr>
+          <p:cNvPr id="5" name="Text Placeholder 4"/>
           <p:cNvSpPr>
             <a:spLocks noGrp="1"/>
           </p:cNvSpPr>
@@ -1672,8 +1481,8 @@
         </p:nvSpPr>
         <p:spPr>
           <a:xfrm>
-            <a:off x="6172200" y="1681163"/>
-            <a:ext cx="5183188" cy="823912"/>
+            <a:off x="4629150" y="1681163"/>
+            <a:ext cx="3887391" cy="823912"/>
           </a:xfrm>
         </p:spPr>
         <p:txBody>
@@ -1727,13 +1536,7 @@
       </p:sp>
       <p:sp>
         <p:nvSpPr>
-          <p:cNvPr id="6" name="Content Placeholder 5">
-            <a:extLst>
-              <a:ext uri="{FF2B5EF4-FFF2-40B4-BE49-F238E27FC236}">
-                <a16:creationId xmlns:a16="http://schemas.microsoft.com/office/drawing/2014/main" id="{AC185297-B4BA-104B-BD7C-8BB2EADA76FA}"/>
-              </a:ext>
-            </a:extLst>
-          </p:cNvPr>
+          <p:cNvPr id="6" name="Content Placeholder 5"/>
           <p:cNvSpPr>
             <a:spLocks noGrp="1"/>
           </p:cNvSpPr>
@@ -1743,8 +1546,8 @@
         </p:nvSpPr>
         <p:spPr>
           <a:xfrm>
-            <a:off x="6172200" y="2505075"/>
-            <a:ext cx="5183188" cy="3684588"/>
+            <a:off x="4629150" y="2505075"/>
+            <a:ext cx="3887391" cy="3684588"/>
           </a:xfrm>
         </p:spPr>
         <p:txBody>
@@ -1784,18 +1587,13 @@
               <a:rPr lang="en-US"/>
               <a:t>Fifth level</a:t>
             </a:r>
+            <a:endParaRPr lang="en-US" dirty="0"/>
           </a:p>
         </p:txBody>
       </p:sp>
       <p:sp>
         <p:nvSpPr>
-          <p:cNvPr id="7" name="Date Placeholder 6">
-            <a:extLst>
-              <a:ext uri="{FF2B5EF4-FFF2-40B4-BE49-F238E27FC236}">
-                <a16:creationId xmlns:a16="http://schemas.microsoft.com/office/drawing/2014/main" id="{BB0CCB9E-7E55-4B1A-5AAB-9BB827BEF956}"/>
-              </a:ext>
-            </a:extLst>
-          </p:cNvPr>
+          <p:cNvPr id="7" name="Date Placeholder 6"/>
           <p:cNvSpPr>
             <a:spLocks noGrp="1"/>
           </p:cNvSpPr>
@@ -1810,7 +1608,7 @@
           <a:p>
             <a:fld id="{2029D419-64CC-4E88-B96B-38315028A839}" type="datetimeFigureOut">
               <a:rPr lang="en-US" smtClean="0"/>
-              <a:t>1/14/2024</a:t>
+              <a:t>5/8/2024</a:t>
             </a:fld>
             <a:endParaRPr lang="en-US"/>
           </a:p>
@@ -1818,13 +1616,7 @@
       </p:sp>
       <p:sp>
         <p:nvSpPr>
-          <p:cNvPr id="8" name="Footer Placeholder 7">
-            <a:extLst>
-              <a:ext uri="{FF2B5EF4-FFF2-40B4-BE49-F238E27FC236}">
-                <a16:creationId xmlns:a16="http://schemas.microsoft.com/office/drawing/2014/main" id="{8A39EA42-5340-DCF2-34AC-781313D85F18}"/>
-              </a:ext>
-            </a:extLst>
-          </p:cNvPr>
+          <p:cNvPr id="8" name="Footer Placeholder 7"/>
           <p:cNvSpPr>
             <a:spLocks noGrp="1"/>
           </p:cNvSpPr>
@@ -1843,13 +1635,7 @@
       </p:sp>
       <p:sp>
         <p:nvSpPr>
-          <p:cNvPr id="9" name="Slide Number Placeholder 8">
-            <a:extLst>
-              <a:ext uri="{FF2B5EF4-FFF2-40B4-BE49-F238E27FC236}">
-                <a16:creationId xmlns:a16="http://schemas.microsoft.com/office/drawing/2014/main" id="{CF8C35C4-0CA4-5FBA-1B50-93C30681267F}"/>
-              </a:ext>
-            </a:extLst>
-          </p:cNvPr>
+          <p:cNvPr id="9" name="Slide Number Placeholder 8"/>
           <p:cNvSpPr>
             <a:spLocks noGrp="1"/>
           </p:cNvSpPr>
@@ -1873,7 +1659,7 @@
     </p:spTree>
     <p:extLst>
       <p:ext uri="{BB962C8B-B14F-4D97-AF65-F5344CB8AC3E}">
-        <p14:creationId xmlns:p14="http://schemas.microsoft.com/office/powerpoint/2010/main" val="2900548449"/>
+        <p14:creationId xmlns:p14="http://schemas.microsoft.com/office/powerpoint/2010/main" val="1764278955"/>
       </p:ext>
     </p:extLst>
   </p:cSld>
@@ -1902,13 +1688,7 @@
       </p:grpSpPr>
       <p:sp>
         <p:nvSpPr>
-          <p:cNvPr id="2" name="Title 1">
-            <a:extLst>
-              <a:ext uri="{FF2B5EF4-FFF2-40B4-BE49-F238E27FC236}">
-                <a16:creationId xmlns:a16="http://schemas.microsoft.com/office/drawing/2014/main" id="{710466BB-5882-E25D-76AA-E42AC4F04C13}"/>
-              </a:ext>
-            </a:extLst>
-          </p:cNvPr>
+          <p:cNvPr id="2" name="Title 1"/>
           <p:cNvSpPr>
             <a:spLocks noGrp="1"/>
           </p:cNvSpPr>
@@ -1925,18 +1705,13 @@
               <a:rPr lang="en-US"/>
               <a:t>Click to edit Master title style</a:t>
             </a:r>
+            <a:endParaRPr lang="en-US" dirty="0"/>
           </a:p>
         </p:txBody>
       </p:sp>
       <p:sp>
         <p:nvSpPr>
-          <p:cNvPr id="3" name="Date Placeholder 2">
-            <a:extLst>
-              <a:ext uri="{FF2B5EF4-FFF2-40B4-BE49-F238E27FC236}">
-                <a16:creationId xmlns:a16="http://schemas.microsoft.com/office/drawing/2014/main" id="{7A75C2BB-E4AF-31F7-7949-7F15793DE61D}"/>
-              </a:ext>
-            </a:extLst>
-          </p:cNvPr>
+          <p:cNvPr id="3" name="Date Placeholder 2"/>
           <p:cNvSpPr>
             <a:spLocks noGrp="1"/>
           </p:cNvSpPr>
@@ -1951,7 +1726,7 @@
           <a:p>
             <a:fld id="{2029D419-64CC-4E88-B96B-38315028A839}" type="datetimeFigureOut">
               <a:rPr lang="en-US" smtClean="0"/>
-              <a:t>1/14/2024</a:t>
+              <a:t>5/8/2024</a:t>
             </a:fld>
             <a:endParaRPr lang="en-US"/>
           </a:p>
@@ -1959,13 +1734,7 @@
       </p:sp>
       <p:sp>
         <p:nvSpPr>
-          <p:cNvPr id="4" name="Footer Placeholder 3">
-            <a:extLst>
-              <a:ext uri="{FF2B5EF4-FFF2-40B4-BE49-F238E27FC236}">
-                <a16:creationId xmlns:a16="http://schemas.microsoft.com/office/drawing/2014/main" id="{1018F897-A265-8A26-3D54-85BED466D72D}"/>
-              </a:ext>
-            </a:extLst>
-          </p:cNvPr>
+          <p:cNvPr id="4" name="Footer Placeholder 3"/>
           <p:cNvSpPr>
             <a:spLocks noGrp="1"/>
           </p:cNvSpPr>
@@ -1984,13 +1753,7 @@
       </p:sp>
       <p:sp>
         <p:nvSpPr>
-          <p:cNvPr id="5" name="Slide Number Placeholder 4">
-            <a:extLst>
-              <a:ext uri="{FF2B5EF4-FFF2-40B4-BE49-F238E27FC236}">
-                <a16:creationId xmlns:a16="http://schemas.microsoft.com/office/drawing/2014/main" id="{D3A353D4-F0F3-4C8D-7399-C4F948AC3C32}"/>
-              </a:ext>
-            </a:extLst>
-          </p:cNvPr>
+          <p:cNvPr id="5" name="Slide Number Placeholder 4"/>
           <p:cNvSpPr>
             <a:spLocks noGrp="1"/>
           </p:cNvSpPr>
@@ -2014,7 +1777,7 @@
     </p:spTree>
     <p:extLst>
       <p:ext uri="{BB962C8B-B14F-4D97-AF65-F5344CB8AC3E}">
-        <p14:creationId xmlns:p14="http://schemas.microsoft.com/office/powerpoint/2010/main" val="1222251448"/>
+        <p14:creationId xmlns:p14="http://schemas.microsoft.com/office/powerpoint/2010/main" val="615787585"/>
       </p:ext>
     </p:extLst>
   </p:cSld>
@@ -2043,13 +1806,7 @@
       </p:grpSpPr>
       <p:sp>
         <p:nvSpPr>
-          <p:cNvPr id="2" name="Date Placeholder 1">
-            <a:extLst>
-              <a:ext uri="{FF2B5EF4-FFF2-40B4-BE49-F238E27FC236}">
-                <a16:creationId xmlns:a16="http://schemas.microsoft.com/office/drawing/2014/main" id="{532FC2D6-CFC0-16B7-E0D6-102A8A990926}"/>
-              </a:ext>
-            </a:extLst>
-          </p:cNvPr>
+          <p:cNvPr id="2" name="Date Placeholder 1"/>
           <p:cNvSpPr>
             <a:spLocks noGrp="1"/>
           </p:cNvSpPr>
@@ -2064,7 +1821,7 @@
           <a:p>
             <a:fld id="{2029D419-64CC-4E88-B96B-38315028A839}" type="datetimeFigureOut">
               <a:rPr lang="en-US" smtClean="0"/>
-              <a:t>1/14/2024</a:t>
+              <a:t>5/8/2024</a:t>
             </a:fld>
             <a:endParaRPr lang="en-US"/>
           </a:p>
@@ -2072,13 +1829,7 @@
       </p:sp>
       <p:sp>
         <p:nvSpPr>
-          <p:cNvPr id="3" name="Footer Placeholder 2">
-            <a:extLst>
-              <a:ext uri="{FF2B5EF4-FFF2-40B4-BE49-F238E27FC236}">
-                <a16:creationId xmlns:a16="http://schemas.microsoft.com/office/drawing/2014/main" id="{3863DEE8-9962-5390-C129-B05AE93B03BA}"/>
-              </a:ext>
-            </a:extLst>
-          </p:cNvPr>
+          <p:cNvPr id="3" name="Footer Placeholder 2"/>
           <p:cNvSpPr>
             <a:spLocks noGrp="1"/>
           </p:cNvSpPr>
@@ -2097,13 +1848,7 @@
       </p:sp>
       <p:sp>
         <p:nvSpPr>
-          <p:cNvPr id="4" name="Slide Number Placeholder 3">
-            <a:extLst>
-              <a:ext uri="{FF2B5EF4-FFF2-40B4-BE49-F238E27FC236}">
-                <a16:creationId xmlns:a16="http://schemas.microsoft.com/office/drawing/2014/main" id="{FFBD88A5-95EC-65F1-5944-5AAFBA89B017}"/>
-              </a:ext>
-            </a:extLst>
-          </p:cNvPr>
+          <p:cNvPr id="4" name="Slide Number Placeholder 3"/>
           <p:cNvSpPr>
             <a:spLocks noGrp="1"/>
           </p:cNvSpPr>
@@ -2127,7 +1872,7 @@
     </p:spTree>
     <p:extLst>
       <p:ext uri="{BB962C8B-B14F-4D97-AF65-F5344CB8AC3E}">
-        <p14:creationId xmlns:p14="http://schemas.microsoft.com/office/powerpoint/2010/main" val="664027246"/>
+        <p14:creationId xmlns:p14="http://schemas.microsoft.com/office/powerpoint/2010/main" val="4148865585"/>
       </p:ext>
     </p:extLst>
   </p:cSld>
@@ -2156,13 +1901,7 @@
       </p:grpSpPr>
       <p:sp>
         <p:nvSpPr>
-          <p:cNvPr id="2" name="Title 1">
-            <a:extLst>
-              <a:ext uri="{FF2B5EF4-FFF2-40B4-BE49-F238E27FC236}">
-                <a16:creationId xmlns:a16="http://schemas.microsoft.com/office/drawing/2014/main" id="{ABDA224A-A79A-B8E1-40F4-E174932C1F01}"/>
-              </a:ext>
-            </a:extLst>
-          </p:cNvPr>
+          <p:cNvPr id="2" name="Title 1"/>
           <p:cNvSpPr>
             <a:spLocks noGrp="1"/>
           </p:cNvSpPr>
@@ -2172,8 +1911,8 @@
         </p:nvSpPr>
         <p:spPr>
           <a:xfrm>
-            <a:off x="839788" y="457200"/>
-            <a:ext cx="3932237" cy="1600200"/>
+            <a:off x="629841" y="457200"/>
+            <a:ext cx="2949178" cy="1600200"/>
           </a:xfrm>
         </p:spPr>
         <p:txBody>
@@ -2188,18 +1927,13 @@
               <a:rPr lang="en-US"/>
               <a:t>Click to edit Master title style</a:t>
             </a:r>
+            <a:endParaRPr lang="en-US" dirty="0"/>
           </a:p>
         </p:txBody>
       </p:sp>
       <p:sp>
         <p:nvSpPr>
-          <p:cNvPr id="3" name="Content Placeholder 2">
-            <a:extLst>
-              <a:ext uri="{FF2B5EF4-FFF2-40B4-BE49-F238E27FC236}">
-                <a16:creationId xmlns:a16="http://schemas.microsoft.com/office/drawing/2014/main" id="{920B34FF-7CB3-0B5D-A477-1E15ED2FB015}"/>
-              </a:ext>
-            </a:extLst>
-          </p:cNvPr>
+          <p:cNvPr id="3" name="Content Placeholder 2"/>
           <p:cNvSpPr>
             <a:spLocks noGrp="1"/>
           </p:cNvSpPr>
@@ -2209,8 +1943,8 @@
         </p:nvSpPr>
         <p:spPr>
           <a:xfrm>
-            <a:off x="5183188" y="987425"/>
-            <a:ext cx="6172200" cy="4873625"/>
+            <a:off x="3887391" y="987426"/>
+            <a:ext cx="4629150" cy="4873625"/>
           </a:xfrm>
         </p:spPr>
         <p:txBody>
@@ -2278,18 +2012,13 @@
               <a:rPr lang="en-US"/>
               <a:t>Fifth level</a:t>
             </a:r>
+            <a:endParaRPr lang="en-US" dirty="0"/>
           </a:p>
         </p:txBody>
       </p:sp>
       <p:sp>
         <p:nvSpPr>
-          <p:cNvPr id="4" name="Text Placeholder 3">
-            <a:extLst>
-              <a:ext uri="{FF2B5EF4-FFF2-40B4-BE49-F238E27FC236}">
-                <a16:creationId xmlns:a16="http://schemas.microsoft.com/office/drawing/2014/main" id="{51A6134D-DB4D-5FC6-2CEB-B8C1C7FAC47E}"/>
-              </a:ext>
-            </a:extLst>
-          </p:cNvPr>
+          <p:cNvPr id="4" name="Text Placeholder 3"/>
           <p:cNvSpPr>
             <a:spLocks noGrp="1"/>
           </p:cNvSpPr>
@@ -2299,8 +2028,8 @@
         </p:nvSpPr>
         <p:spPr>
           <a:xfrm>
-            <a:off x="839788" y="2057400"/>
-            <a:ext cx="3932237" cy="3811588"/>
+            <a:off x="629841" y="2057400"/>
+            <a:ext cx="2949178" cy="3811588"/>
           </a:xfrm>
         </p:spPr>
         <p:txBody>
@@ -2354,13 +2083,7 @@
       </p:sp>
       <p:sp>
         <p:nvSpPr>
-          <p:cNvPr id="5" name="Date Placeholder 4">
-            <a:extLst>
-              <a:ext uri="{FF2B5EF4-FFF2-40B4-BE49-F238E27FC236}">
-                <a16:creationId xmlns:a16="http://schemas.microsoft.com/office/drawing/2014/main" id="{702AABC7-C32E-BB04-AE40-2389942E5969}"/>
-              </a:ext>
-            </a:extLst>
-          </p:cNvPr>
+          <p:cNvPr id="5" name="Date Placeholder 4"/>
           <p:cNvSpPr>
             <a:spLocks noGrp="1"/>
           </p:cNvSpPr>
@@ -2375,7 +2098,7 @@
           <a:p>
             <a:fld id="{2029D419-64CC-4E88-B96B-38315028A839}" type="datetimeFigureOut">
               <a:rPr lang="en-US" smtClean="0"/>
-              <a:t>1/14/2024</a:t>
+              <a:t>5/8/2024</a:t>
             </a:fld>
             <a:endParaRPr lang="en-US"/>
           </a:p>
@@ -2383,13 +2106,7 @@
       </p:sp>
       <p:sp>
         <p:nvSpPr>
-          <p:cNvPr id="6" name="Footer Placeholder 5">
-            <a:extLst>
-              <a:ext uri="{FF2B5EF4-FFF2-40B4-BE49-F238E27FC236}">
-                <a16:creationId xmlns:a16="http://schemas.microsoft.com/office/drawing/2014/main" id="{E2C714CD-92B4-90DD-B3B4-B20B6E580F37}"/>
-              </a:ext>
-            </a:extLst>
-          </p:cNvPr>
+          <p:cNvPr id="6" name="Footer Placeholder 5"/>
           <p:cNvSpPr>
             <a:spLocks noGrp="1"/>
           </p:cNvSpPr>
@@ -2408,13 +2125,7 @@
       </p:sp>
       <p:sp>
         <p:nvSpPr>
-          <p:cNvPr id="7" name="Slide Number Placeholder 6">
-            <a:extLst>
-              <a:ext uri="{FF2B5EF4-FFF2-40B4-BE49-F238E27FC236}">
-                <a16:creationId xmlns:a16="http://schemas.microsoft.com/office/drawing/2014/main" id="{B8CA4A20-651A-0263-66A6-6B1A68646445}"/>
-              </a:ext>
-            </a:extLst>
-          </p:cNvPr>
+          <p:cNvPr id="7" name="Slide Number Placeholder 6"/>
           <p:cNvSpPr>
             <a:spLocks noGrp="1"/>
           </p:cNvSpPr>
@@ -2438,7 +2149,7 @@
     </p:spTree>
     <p:extLst>
       <p:ext uri="{BB962C8B-B14F-4D97-AF65-F5344CB8AC3E}">
-        <p14:creationId xmlns:p14="http://schemas.microsoft.com/office/powerpoint/2010/main" val="2800558639"/>
+        <p14:creationId xmlns:p14="http://schemas.microsoft.com/office/powerpoint/2010/main" val="133172905"/>
       </p:ext>
     </p:extLst>
   </p:cSld>
@@ -2467,13 +2178,7 @@
       </p:grpSpPr>
       <p:sp>
         <p:nvSpPr>
-          <p:cNvPr id="2" name="Title 1">
-            <a:extLst>
-              <a:ext uri="{FF2B5EF4-FFF2-40B4-BE49-F238E27FC236}">
-                <a16:creationId xmlns:a16="http://schemas.microsoft.com/office/drawing/2014/main" id="{2DD71A90-8D56-F361-4430-84D9ACC30060}"/>
-              </a:ext>
-            </a:extLst>
-          </p:cNvPr>
+          <p:cNvPr id="2" name="Title 1"/>
           <p:cNvSpPr>
             <a:spLocks noGrp="1"/>
           </p:cNvSpPr>
@@ -2483,8 +2188,8 @@
         </p:nvSpPr>
         <p:spPr>
           <a:xfrm>
-            <a:off x="839788" y="457200"/>
-            <a:ext cx="3932237" cy="1600200"/>
+            <a:off x="629841" y="457200"/>
+            <a:ext cx="2949178" cy="1600200"/>
           </a:xfrm>
         </p:spPr>
         <p:txBody>
@@ -2499,20 +2204,15 @@
               <a:rPr lang="en-US"/>
               <a:t>Click to edit Master title style</a:t>
             </a:r>
+            <a:endParaRPr lang="en-US" dirty="0"/>
           </a:p>
         </p:txBody>
       </p:sp>
       <p:sp>
         <p:nvSpPr>
-          <p:cNvPr id="3" name="Picture Placeholder 2">
-            <a:extLst>
-              <a:ext uri="{FF2B5EF4-FFF2-40B4-BE49-F238E27FC236}">
-                <a16:creationId xmlns:a16="http://schemas.microsoft.com/office/drawing/2014/main" id="{E74F16C2-A24F-42F5-8E01-870E680274DA}"/>
-              </a:ext>
-            </a:extLst>
-          </p:cNvPr>
+          <p:cNvPr id="3" name="Picture Placeholder 2"/>
           <p:cNvSpPr>
-            <a:spLocks noGrp="1"/>
+            <a:spLocks noGrp="1" noChangeAspect="1"/>
           </p:cNvSpPr>
           <p:nvPr>
             <p:ph type="pic" idx="1"/>
@@ -2520,12 +2220,12 @@
         </p:nvSpPr>
         <p:spPr>
           <a:xfrm>
-            <a:off x="5183188" y="987425"/>
-            <a:ext cx="6172200" cy="4873625"/>
+            <a:off x="3887391" y="987426"/>
+            <a:ext cx="4629150" cy="4873625"/>
           </a:xfrm>
         </p:spPr>
         <p:txBody>
-          <a:bodyPr/>
+          <a:bodyPr anchor="t"/>
           <a:lstStyle>
             <a:lvl1pPr marL="0" indent="0">
               <a:buNone/>
@@ -2565,19 +2265,17 @@
             </a:lvl9pPr>
           </a:lstStyle>
           <a:p>
-            <a:endParaRPr lang="en-US"/>
+            <a:r>
+              <a:rPr lang="en-US"/>
+              <a:t>Click icon to add picture</a:t>
+            </a:r>
+            <a:endParaRPr lang="en-US" dirty="0"/>
           </a:p>
         </p:txBody>
       </p:sp>
       <p:sp>
         <p:nvSpPr>
-          <p:cNvPr id="4" name="Text Placeholder 3">
-            <a:extLst>
-              <a:ext uri="{FF2B5EF4-FFF2-40B4-BE49-F238E27FC236}">
-                <a16:creationId xmlns:a16="http://schemas.microsoft.com/office/drawing/2014/main" id="{41CC6E5B-A452-79B4-1988-F0A8552F2A62}"/>
-              </a:ext>
-            </a:extLst>
-          </p:cNvPr>
+          <p:cNvPr id="4" name="Text Placeholder 3"/>
           <p:cNvSpPr>
             <a:spLocks noGrp="1"/>
           </p:cNvSpPr>
@@ -2587,8 +2285,8 @@
         </p:nvSpPr>
         <p:spPr>
           <a:xfrm>
-            <a:off x="839788" y="2057400"/>
-            <a:ext cx="3932237" cy="3811588"/>
+            <a:off x="629841" y="2057400"/>
+            <a:ext cx="2949178" cy="3811588"/>
           </a:xfrm>
         </p:spPr>
         <p:txBody>
@@ -2642,13 +2340,7 @@
       </p:sp>
       <p:sp>
         <p:nvSpPr>
-          <p:cNvPr id="5" name="Date Placeholder 4">
-            <a:extLst>
-              <a:ext uri="{FF2B5EF4-FFF2-40B4-BE49-F238E27FC236}">
-                <a16:creationId xmlns:a16="http://schemas.microsoft.com/office/drawing/2014/main" id="{3BBB6D09-6996-A898-8EE1-BC83559D9DFA}"/>
-              </a:ext>
-            </a:extLst>
-          </p:cNvPr>
+          <p:cNvPr id="5" name="Date Placeholder 4"/>
           <p:cNvSpPr>
             <a:spLocks noGrp="1"/>
           </p:cNvSpPr>
@@ -2663,7 +2355,7 @@
           <a:p>
             <a:fld id="{2029D419-64CC-4E88-B96B-38315028A839}" type="datetimeFigureOut">
               <a:rPr lang="en-US" smtClean="0"/>
-              <a:t>1/14/2024</a:t>
+              <a:t>5/8/2024</a:t>
             </a:fld>
             <a:endParaRPr lang="en-US"/>
           </a:p>
@@ -2671,13 +2363,7 @@
       </p:sp>
       <p:sp>
         <p:nvSpPr>
-          <p:cNvPr id="6" name="Footer Placeholder 5">
-            <a:extLst>
-              <a:ext uri="{FF2B5EF4-FFF2-40B4-BE49-F238E27FC236}">
-                <a16:creationId xmlns:a16="http://schemas.microsoft.com/office/drawing/2014/main" id="{ECDF7D8A-9D1E-1763-A843-5B4A53D0CBDB}"/>
-              </a:ext>
-            </a:extLst>
-          </p:cNvPr>
+          <p:cNvPr id="6" name="Footer Placeholder 5"/>
           <p:cNvSpPr>
             <a:spLocks noGrp="1"/>
           </p:cNvSpPr>
@@ -2696,13 +2382,7 @@
       </p:sp>
       <p:sp>
         <p:nvSpPr>
-          <p:cNvPr id="7" name="Slide Number Placeholder 6">
-            <a:extLst>
-              <a:ext uri="{FF2B5EF4-FFF2-40B4-BE49-F238E27FC236}">
-                <a16:creationId xmlns:a16="http://schemas.microsoft.com/office/drawing/2014/main" id="{23DB8387-0384-D79B-3947-B690DAC9740B}"/>
-              </a:ext>
-            </a:extLst>
-          </p:cNvPr>
+          <p:cNvPr id="7" name="Slide Number Placeholder 6"/>
           <p:cNvSpPr>
             <a:spLocks noGrp="1"/>
           </p:cNvSpPr>
@@ -2726,7 +2406,7 @@
     </p:spTree>
     <p:extLst>
       <p:ext uri="{BB962C8B-B14F-4D97-AF65-F5344CB8AC3E}">
-        <p14:creationId xmlns:p14="http://schemas.microsoft.com/office/powerpoint/2010/main" val="2896124633"/>
+        <p14:creationId xmlns:p14="http://schemas.microsoft.com/office/powerpoint/2010/main" val="1703770304"/>
       </p:ext>
     </p:extLst>
   </p:cSld>
@@ -2760,13 +2440,7 @@
       </p:grpSpPr>
       <p:sp>
         <p:nvSpPr>
-          <p:cNvPr id="2" name="Title Placeholder 1">
-            <a:extLst>
-              <a:ext uri="{FF2B5EF4-FFF2-40B4-BE49-F238E27FC236}">
-                <a16:creationId xmlns:a16="http://schemas.microsoft.com/office/drawing/2014/main" id="{49702C0C-7DE9-B8D8-D34D-004C898201D8}"/>
-              </a:ext>
-            </a:extLst>
-          </p:cNvPr>
+          <p:cNvPr id="2" name="Title Placeholder 1"/>
           <p:cNvSpPr>
             <a:spLocks noGrp="1"/>
           </p:cNvSpPr>
@@ -2776,8 +2450,8 @@
         </p:nvSpPr>
         <p:spPr>
           <a:xfrm>
-            <a:off x="838200" y="365125"/>
-            <a:ext cx="10515600" cy="1325563"/>
+            <a:off x="628650" y="365126"/>
+            <a:ext cx="7886700" cy="1325563"/>
           </a:xfrm>
           <a:prstGeom prst="rect">
             <a:avLst/>
@@ -2793,18 +2467,13 @@
               <a:rPr lang="en-US"/>
               <a:t>Click to edit Master title style</a:t>
             </a:r>
+            <a:endParaRPr lang="en-US" dirty="0"/>
           </a:p>
         </p:txBody>
       </p:sp>
       <p:sp>
         <p:nvSpPr>
-          <p:cNvPr id="3" name="Text Placeholder 2">
-            <a:extLst>
-              <a:ext uri="{FF2B5EF4-FFF2-40B4-BE49-F238E27FC236}">
-                <a16:creationId xmlns:a16="http://schemas.microsoft.com/office/drawing/2014/main" id="{B5E89114-8200-8F8B-3519-DBF36D628CD7}"/>
-              </a:ext>
-            </a:extLst>
-          </p:cNvPr>
+          <p:cNvPr id="3" name="Text Placeholder 2"/>
           <p:cNvSpPr>
             <a:spLocks noGrp="1"/>
           </p:cNvSpPr>
@@ -2814,8 +2483,8 @@
         </p:nvSpPr>
         <p:spPr>
           <a:xfrm>
-            <a:off x="838200" y="1825625"/>
-            <a:ext cx="10515600" cy="4351338"/>
+            <a:off x="628650" y="1825625"/>
+            <a:ext cx="7886700" cy="4351338"/>
           </a:xfrm>
           <a:prstGeom prst="rect">
             <a:avLst/>
@@ -2860,18 +2529,13 @@
               <a:rPr lang="en-US"/>
               <a:t>Fifth level</a:t>
             </a:r>
+            <a:endParaRPr lang="en-US" dirty="0"/>
           </a:p>
         </p:txBody>
       </p:sp>
       <p:sp>
         <p:nvSpPr>
-          <p:cNvPr id="4" name="Date Placeholder 3">
-            <a:extLst>
-              <a:ext uri="{FF2B5EF4-FFF2-40B4-BE49-F238E27FC236}">
-                <a16:creationId xmlns:a16="http://schemas.microsoft.com/office/drawing/2014/main" id="{0EE4DDA1-E36F-EB79-C114-AB08B45E78BE}"/>
-              </a:ext>
-            </a:extLst>
-          </p:cNvPr>
+          <p:cNvPr id="4" name="Date Placeholder 3"/>
           <p:cNvSpPr>
             <a:spLocks noGrp="1"/>
           </p:cNvSpPr>
@@ -2881,8 +2545,8 @@
         </p:nvSpPr>
         <p:spPr>
           <a:xfrm>
-            <a:off x="838200" y="6356350"/>
-            <a:ext cx="2743200" cy="365125"/>
+            <a:off x="628650" y="6356351"/>
+            <a:ext cx="2057400" cy="365125"/>
           </a:xfrm>
           <a:prstGeom prst="rect">
             <a:avLst/>
@@ -2904,7 +2568,7 @@
           <a:p>
             <a:fld id="{2029D419-64CC-4E88-B96B-38315028A839}" type="datetimeFigureOut">
               <a:rPr lang="en-US" smtClean="0"/>
-              <a:t>1/14/2024</a:t>
+              <a:t>5/8/2024</a:t>
             </a:fld>
             <a:endParaRPr lang="en-US"/>
           </a:p>
@@ -2912,13 +2576,7 @@
       </p:sp>
       <p:sp>
         <p:nvSpPr>
-          <p:cNvPr id="5" name="Footer Placeholder 4">
-            <a:extLst>
-              <a:ext uri="{FF2B5EF4-FFF2-40B4-BE49-F238E27FC236}">
-                <a16:creationId xmlns:a16="http://schemas.microsoft.com/office/drawing/2014/main" id="{2847BF7A-12E5-0E32-2EE0-4545D199FFCB}"/>
-              </a:ext>
-            </a:extLst>
-          </p:cNvPr>
+          <p:cNvPr id="5" name="Footer Placeholder 4"/>
           <p:cNvSpPr>
             <a:spLocks noGrp="1"/>
           </p:cNvSpPr>
@@ -2928,8 +2586,8 @@
         </p:nvSpPr>
         <p:spPr>
           <a:xfrm>
-            <a:off x="4038600" y="6356350"/>
-            <a:ext cx="4114800" cy="365125"/>
+            <a:off x="3028950" y="6356351"/>
+            <a:ext cx="3086100" cy="365125"/>
           </a:xfrm>
           <a:prstGeom prst="rect">
             <a:avLst/>
@@ -2955,13 +2613,7 @@
       </p:sp>
       <p:sp>
         <p:nvSpPr>
-          <p:cNvPr id="6" name="Slide Number Placeholder 5">
-            <a:extLst>
-              <a:ext uri="{FF2B5EF4-FFF2-40B4-BE49-F238E27FC236}">
-                <a16:creationId xmlns:a16="http://schemas.microsoft.com/office/drawing/2014/main" id="{AC9DCA4E-17AC-7D0A-ADA5-58AC08795562}"/>
-              </a:ext>
-            </a:extLst>
-          </p:cNvPr>
+          <p:cNvPr id="6" name="Slide Number Placeholder 5"/>
           <p:cNvSpPr>
             <a:spLocks noGrp="1"/>
           </p:cNvSpPr>
@@ -2971,8 +2623,8 @@
         </p:nvSpPr>
         <p:spPr>
           <a:xfrm>
-            <a:off x="8610600" y="6356350"/>
-            <a:ext cx="2743200" cy="365125"/>
+            <a:off x="6457950" y="6356351"/>
+            <a:ext cx="2057400" cy="365125"/>
           </a:xfrm>
           <a:prstGeom prst="rect">
             <a:avLst/>
@@ -3003,23 +2655,23 @@
     </p:spTree>
     <p:extLst>
       <p:ext uri="{BB962C8B-B14F-4D97-AF65-F5344CB8AC3E}">
-        <p14:creationId xmlns:p14="http://schemas.microsoft.com/office/powerpoint/2010/main" val="2556049706"/>
+        <p14:creationId xmlns:p14="http://schemas.microsoft.com/office/powerpoint/2010/main" val="2699416722"/>
       </p:ext>
     </p:extLst>
   </p:cSld>
   <p:clrMap bg1="lt1" tx1="dk1" bg2="lt2" tx2="dk2" accent1="accent1" accent2="accent2" accent3="accent3" accent4="accent4" accent5="accent5" accent6="accent6" hlink="hlink" folHlink="folHlink"/>
   <p:sldLayoutIdLst>
-    <p:sldLayoutId id="2147483649" r:id="rId1"/>
-    <p:sldLayoutId id="2147483650" r:id="rId2"/>
-    <p:sldLayoutId id="2147483651" r:id="rId3"/>
-    <p:sldLayoutId id="2147483652" r:id="rId4"/>
-    <p:sldLayoutId id="2147483653" r:id="rId5"/>
-    <p:sldLayoutId id="2147483654" r:id="rId6"/>
-    <p:sldLayoutId id="2147483655" r:id="rId7"/>
-    <p:sldLayoutId id="2147483656" r:id="rId8"/>
-    <p:sldLayoutId id="2147483657" r:id="rId9"/>
-    <p:sldLayoutId id="2147483658" r:id="rId10"/>
-    <p:sldLayoutId id="2147483659" r:id="rId11"/>
+    <p:sldLayoutId id="2147483661" r:id="rId1"/>
+    <p:sldLayoutId id="2147483662" r:id="rId2"/>
+    <p:sldLayoutId id="2147483663" r:id="rId3"/>
+    <p:sldLayoutId id="2147483664" r:id="rId4"/>
+    <p:sldLayoutId id="2147483665" r:id="rId5"/>
+    <p:sldLayoutId id="2147483666" r:id="rId6"/>
+    <p:sldLayoutId id="2147483667" r:id="rId7"/>
+    <p:sldLayoutId id="2147483668" r:id="rId8"/>
+    <p:sldLayoutId id="2147483669" r:id="rId9"/>
+    <p:sldLayoutId id="2147483670" r:id="rId10"/>
+    <p:sldLayoutId id="2147483671" r:id="rId11"/>
   </p:sldLayoutIdLst>
   <p:txStyles>
     <p:titleStyle>
@@ -3335,7 +2987,7 @@
         </p:nvGrpSpPr>
         <p:grpSpPr>
           <a:xfrm>
-            <a:off x="490089" y="52209"/>
+            <a:off x="832989" y="120508"/>
             <a:ext cx="7381702" cy="6616984"/>
             <a:chOff x="490089" y="52209"/>
             <a:chExt cx="7381702" cy="6616984"/>
@@ -8302,70 +7954,32 @@
             </a:bodyPr>
             <a:lstStyle/>
             <a:p>
-              <a:pPr marL="0" marR="0" lvl="0" indent="0" algn="l" defTabSz="914400" rtl="0" eaLnBrk="1" fontAlgn="auto" latinLnBrk="0" hangingPunct="1">
-                <a:lnSpc>
-                  <a:spcPct val="100000"/>
-                </a:lnSpc>
-                <a:spcBef>
-                  <a:spcPts val="0"/>
-                </a:spcBef>
-                <a:spcAft>
-                  <a:spcPts val="0"/>
-                </a:spcAft>
-                <a:buClrTx/>
-                <a:buSzTx/>
-                <a:buFontTx/>
-                <a:buNone/>
-                <a:tabLst/>
+              <a:pPr>
                 <a:defRPr/>
               </a:pPr>
               <a:r>
-                <a:rPr kumimoji="0" lang="en-US" sz="1800" b="1" i="1" u="none" strike="noStrike" kern="1200" cap="none" spc="0" normalizeH="0" baseline="0" noProof="0" dirty="0">
-                  <a:ln>
-                    <a:noFill/>
-                  </a:ln>
+                <a:rPr lang="en-US" b="1" i="1" dirty="0">
                   <a:solidFill>
                     <a:prstClr val="black"/>
                   </a:solidFill>
-                  <a:effectLst/>
-                  <a:uLnTx/>
-                  <a:uFillTx/>
                   <a:latin typeface="Aptos" panose="02110004020202020204"/>
-                  <a:ea typeface="+mn-ea"/>
-                  <a:cs typeface="+mn-cs"/>
                 </a:rPr>
                 <a:t>a</a:t>
               </a:r>
               <a:r>
-                <a:rPr kumimoji="0" lang="en-US" sz="1800" b="1" i="1" u="none" strike="noStrike" kern="1200" cap="none" spc="0" normalizeH="0" baseline="-25000" noProof="0" dirty="0">
-                  <a:ln>
-                    <a:noFill/>
-                  </a:ln>
+                <a:rPr lang="en-US" b="1" i="1" baseline="-25000" dirty="0">
                   <a:solidFill>
                     <a:prstClr val="black"/>
                   </a:solidFill>
-                  <a:effectLst/>
-                  <a:uLnTx/>
-                  <a:uFillTx/>
                   <a:latin typeface="Aptos" panose="02110004020202020204"/>
-                  <a:ea typeface="+mn-ea"/>
-                  <a:cs typeface="+mn-cs"/>
                 </a:rPr>
                 <a:t>t</a:t>
               </a:r>
-              <a:endParaRPr kumimoji="0" lang="en-US" sz="1800" b="0" i="0" u="none" strike="noStrike" kern="1200" cap="none" spc="0" normalizeH="0" baseline="0" noProof="0" dirty="0">
-                <a:ln>
-                  <a:noFill/>
-                </a:ln>
+              <a:endParaRPr lang="en-US" dirty="0">
                 <a:solidFill>
                   <a:prstClr val="black"/>
                 </a:solidFill>
-                <a:effectLst/>
-                <a:uLnTx/>
-                <a:uFillTx/>
                 <a:latin typeface="Aptos" panose="02110004020202020204"/>
-                <a:ea typeface="+mn-ea"/>
-                <a:cs typeface="+mn-cs"/>
               </a:endParaRPr>
             </a:p>
             <a:p>
@@ -8377,7 +7991,7 @@
                 <a:t>action</a:t>
               </a:r>
               <a:r>
-                <a:rPr lang="en-US" sz="1800" dirty="0"/>
+                <a:rPr lang="en-US" dirty="0"/>
                 <a:t> </a:t>
               </a:r>
             </a:p>
@@ -8496,7 +8110,7 @@
         </p:nvSpPr>
         <p:spPr>
           <a:xfrm>
-            <a:off x="4412943" y="2869694"/>
+            <a:off x="4755844" y="2937993"/>
             <a:ext cx="1146819" cy="369332"/>
           </a:xfrm>
           <a:prstGeom prst="rect">
@@ -8542,7 +8156,7 @@
 <file path=ppt/theme/theme1.xml><?xml version="1.0" encoding="utf-8"?>
 <a:theme xmlns:a="http://schemas.openxmlformats.org/drawingml/2006/main" name="Office Theme">
   <a:themeElements>
-    <a:clrScheme name="Office">
+    <a:clrScheme name="Office Theme">
       <a:dk1>
         <a:sysClr val="windowText" lastClr="000000"/>
       </a:dk1>
@@ -8580,7 +8194,7 @@
         <a:srgbClr val="96607D"/>
       </a:folHlink>
     </a:clrScheme>
-    <a:fontScheme name="Office">
+    <a:fontScheme name="Office Theme">
       <a:majorFont>
         <a:latin typeface="Aptos Display" panose="02110004020202020204"/>
         <a:ea typeface=""/>
@@ -8686,7 +8300,7 @@
         <a:font script="Tfng" typeface="Ebrima"/>
       </a:minorFont>
     </a:fontScheme>
-    <a:fmtScheme name="Office">
+    <a:fmtScheme name="Office Theme">
       <a:fillStyleLst>
         <a:solidFill>
           <a:schemeClr val="phClr"/>
